--- a/AWS/AWS.pptx
+++ b/AWS/AWS.pptx
@@ -1,15 +1,20 @@
 
 <file path=ppt/presentation.xml><?xml version="1.0" encoding="utf-8"?>
-<p:presentation xmlns:a="http://schemas.openxmlformats.org/drawingml/2006/main" xmlns:r="http://schemas.openxmlformats.org/officeDocument/2006/relationships" xmlns:p="http://schemas.openxmlformats.org/presentationml/2006/main" saveSubsetFonts="1">
+<p:presentation xmlns:a="http://schemas.openxmlformats.org/drawingml/2006/main" xmlns:r="http://schemas.openxmlformats.org/officeDocument/2006/relationships" xmlns:p="http://schemas.openxmlformats.org/presentationml/2006/main">
   <p:sldMasterIdLst>
     <p:sldMasterId id="2147483648" r:id="rId1"/>
   </p:sldMasterIdLst>
   <p:sldIdLst>
-    <p:sldId id="256" r:id="rId2"/>
-    <p:sldId id="257" r:id="rId3"/>
-    <p:sldId id="258" r:id="rId4"/>
-    <p:sldId id="259" r:id="rId5"/>
-    <p:sldId id="260" r:id="rId6"/>
+    <p:sldId id="256" r:id="rId3"/>
+    <p:sldId id="257" r:id="rId4"/>
+    <p:sldId id="258" r:id="rId5"/>
+    <p:sldId id="259" r:id="rId6"/>
+    <p:sldId id="260" r:id="rId7"/>
+    <p:sldId id="261" r:id="rId8"/>
+    <p:sldId id="262" r:id="rId9"/>
+    <p:sldId id="263" r:id="rId10"/>
+    <p:sldId id="264" r:id="rId11"/>
+    <p:sldId id="265" r:id="rId12"/>
   </p:sldIdLst>
   <p:sldSz cx="12192000" cy="6858000"/>
   <p:notesSz cx="6858000" cy="9144000"/>
@@ -108,11 +113,6 @@
       </a:defRPr>
     </a:lvl9pPr>
   </p:defaultTextStyle>
-  <p:extLst>
-    <p:ext uri="{EFAFB233-063F-42B5-8137-9DF3F51BA10A}">
-      <p15:sldGuideLst xmlns:p15="http://schemas.microsoft.com/office/powerpoint/2012/main"/>
-    </p:ext>
-  </p:extLst>
 </p:presentation>
 </file>
 
@@ -247,7 +247,6 @@
           <a:p>
             <a:fld id="{198D863F-60D2-410E-AD5E-951769272811}" type="datetimeFigureOut">
               <a:rPr lang="en-US" smtClean="0"/>
-              <a:t>8/13/2019</a:t>
             </a:fld>
             <a:endParaRPr lang="en-US"/>
           </a:p>
@@ -289,18 +288,12 @@
           <a:p>
             <a:fld id="{17B8F2B3-3C31-473F-92F4-35B553DF29B1}" type="slidenum">
               <a:rPr lang="en-US" smtClean="0"/>
-              <a:t>‹#›</a:t>
             </a:fld>
             <a:endParaRPr lang="en-US"/>
           </a:p>
         </p:txBody>
       </p:sp>
     </p:spTree>
-    <p:extLst>
-      <p:ext uri="{BB962C8B-B14F-4D97-AF65-F5344CB8AC3E}">
-        <p14:creationId xmlns:p14="http://schemas.microsoft.com/office/powerpoint/2010/main" val="31454050"/>
-      </p:ext>
-    </p:extLst>
   </p:cSld>
   <p:clrMapOvr>
     <a:masterClrMapping/>
@@ -368,6 +361,7 @@
               <a:rPr lang="en-US" smtClean="0"/>
               <a:t>Edit Master text styles</a:t>
             </a:r>
+            <a:endParaRPr lang="en-US" smtClean="0"/>
           </a:p>
           <a:p>
             <a:pPr lvl="1"/>
@@ -375,6 +369,7 @@
               <a:rPr lang="en-US" smtClean="0"/>
               <a:t>Second level</a:t>
             </a:r>
+            <a:endParaRPr lang="en-US" smtClean="0"/>
           </a:p>
           <a:p>
             <a:pPr lvl="2"/>
@@ -382,6 +377,7 @@
               <a:rPr lang="en-US" smtClean="0"/>
               <a:t>Third level</a:t>
             </a:r>
+            <a:endParaRPr lang="en-US" smtClean="0"/>
           </a:p>
           <a:p>
             <a:pPr lvl="3"/>
@@ -389,6 +385,7 @@
               <a:rPr lang="en-US" smtClean="0"/>
               <a:t>Fourth level</a:t>
             </a:r>
+            <a:endParaRPr lang="en-US" smtClean="0"/>
           </a:p>
           <a:p>
             <a:pPr lvl="4"/>
@@ -417,7 +414,6 @@
           <a:p>
             <a:fld id="{198D863F-60D2-410E-AD5E-951769272811}" type="datetimeFigureOut">
               <a:rPr lang="en-US" smtClean="0"/>
-              <a:t>8/13/2019</a:t>
             </a:fld>
             <a:endParaRPr lang="en-US"/>
           </a:p>
@@ -459,18 +455,12 @@
           <a:p>
             <a:fld id="{17B8F2B3-3C31-473F-92F4-35B553DF29B1}" type="slidenum">
               <a:rPr lang="en-US" smtClean="0"/>
-              <a:t>‹#›</a:t>
             </a:fld>
             <a:endParaRPr lang="en-US"/>
           </a:p>
         </p:txBody>
       </p:sp>
     </p:spTree>
-    <p:extLst>
-      <p:ext uri="{BB962C8B-B14F-4D97-AF65-F5344CB8AC3E}">
-        <p14:creationId xmlns:p14="http://schemas.microsoft.com/office/powerpoint/2010/main" val="1579408874"/>
-      </p:ext>
-    </p:extLst>
   </p:cSld>
   <p:clrMapOvr>
     <a:masterClrMapping/>
@@ -548,6 +538,7 @@
               <a:rPr lang="en-US" smtClean="0"/>
               <a:t>Edit Master text styles</a:t>
             </a:r>
+            <a:endParaRPr lang="en-US" smtClean="0"/>
           </a:p>
           <a:p>
             <a:pPr lvl="1"/>
@@ -555,6 +546,7 @@
               <a:rPr lang="en-US" smtClean="0"/>
               <a:t>Second level</a:t>
             </a:r>
+            <a:endParaRPr lang="en-US" smtClean="0"/>
           </a:p>
           <a:p>
             <a:pPr lvl="2"/>
@@ -562,6 +554,7 @@
               <a:rPr lang="en-US" smtClean="0"/>
               <a:t>Third level</a:t>
             </a:r>
+            <a:endParaRPr lang="en-US" smtClean="0"/>
           </a:p>
           <a:p>
             <a:pPr lvl="3"/>
@@ -569,6 +562,7 @@
               <a:rPr lang="en-US" smtClean="0"/>
               <a:t>Fourth level</a:t>
             </a:r>
+            <a:endParaRPr lang="en-US" smtClean="0"/>
           </a:p>
           <a:p>
             <a:pPr lvl="4"/>
@@ -597,7 +591,6 @@
           <a:p>
             <a:fld id="{198D863F-60D2-410E-AD5E-951769272811}" type="datetimeFigureOut">
               <a:rPr lang="en-US" smtClean="0"/>
-              <a:t>8/13/2019</a:t>
             </a:fld>
             <a:endParaRPr lang="en-US"/>
           </a:p>
@@ -639,18 +632,12 @@
           <a:p>
             <a:fld id="{17B8F2B3-3C31-473F-92F4-35B553DF29B1}" type="slidenum">
               <a:rPr lang="en-US" smtClean="0"/>
-              <a:t>‹#›</a:t>
             </a:fld>
             <a:endParaRPr lang="en-US"/>
           </a:p>
         </p:txBody>
       </p:sp>
     </p:spTree>
-    <p:extLst>
-      <p:ext uri="{BB962C8B-B14F-4D97-AF65-F5344CB8AC3E}">
-        <p14:creationId xmlns:p14="http://schemas.microsoft.com/office/powerpoint/2010/main" val="55327434"/>
-      </p:ext>
-    </p:extLst>
   </p:cSld>
   <p:clrMapOvr>
     <a:masterClrMapping/>
@@ -718,6 +705,7 @@
               <a:rPr lang="en-US" smtClean="0"/>
               <a:t>Edit Master text styles</a:t>
             </a:r>
+            <a:endParaRPr lang="en-US" smtClean="0"/>
           </a:p>
           <a:p>
             <a:pPr lvl="1"/>
@@ -725,6 +713,7 @@
               <a:rPr lang="en-US" smtClean="0"/>
               <a:t>Second level</a:t>
             </a:r>
+            <a:endParaRPr lang="en-US" smtClean="0"/>
           </a:p>
           <a:p>
             <a:pPr lvl="2"/>
@@ -732,6 +721,7 @@
               <a:rPr lang="en-US" smtClean="0"/>
               <a:t>Third level</a:t>
             </a:r>
+            <a:endParaRPr lang="en-US" smtClean="0"/>
           </a:p>
           <a:p>
             <a:pPr lvl="3"/>
@@ -739,6 +729,7 @@
               <a:rPr lang="en-US" smtClean="0"/>
               <a:t>Fourth level</a:t>
             </a:r>
+            <a:endParaRPr lang="en-US" smtClean="0"/>
           </a:p>
           <a:p>
             <a:pPr lvl="4"/>
@@ -767,7 +758,6 @@
           <a:p>
             <a:fld id="{198D863F-60D2-410E-AD5E-951769272811}" type="datetimeFigureOut">
               <a:rPr lang="en-US" smtClean="0"/>
-              <a:t>8/13/2019</a:t>
             </a:fld>
             <a:endParaRPr lang="en-US"/>
           </a:p>
@@ -809,18 +799,12 @@
           <a:p>
             <a:fld id="{17B8F2B3-3C31-473F-92F4-35B553DF29B1}" type="slidenum">
               <a:rPr lang="en-US" smtClean="0"/>
-              <a:t>‹#›</a:t>
             </a:fld>
             <a:endParaRPr lang="en-US"/>
           </a:p>
         </p:txBody>
       </p:sp>
     </p:spTree>
-    <p:extLst>
-      <p:ext uri="{BB962C8B-B14F-4D97-AF65-F5344CB8AC3E}">
-        <p14:creationId xmlns:p14="http://schemas.microsoft.com/office/powerpoint/2010/main" val="3725524817"/>
-      </p:ext>
-    </p:extLst>
   </p:cSld>
   <p:clrMapOvr>
     <a:masterClrMapping/>
@@ -993,6 +977,7 @@
               <a:rPr lang="en-US" smtClean="0"/>
               <a:t>Edit Master text styles</a:t>
             </a:r>
+            <a:endParaRPr lang="en-US" smtClean="0"/>
           </a:p>
         </p:txBody>
       </p:sp>
@@ -1013,7 +998,6 @@
           <a:p>
             <a:fld id="{198D863F-60D2-410E-AD5E-951769272811}" type="datetimeFigureOut">
               <a:rPr lang="en-US" smtClean="0"/>
-              <a:t>8/13/2019</a:t>
             </a:fld>
             <a:endParaRPr lang="en-US"/>
           </a:p>
@@ -1055,18 +1039,12 @@
           <a:p>
             <a:fld id="{17B8F2B3-3C31-473F-92F4-35B553DF29B1}" type="slidenum">
               <a:rPr lang="en-US" smtClean="0"/>
-              <a:t>‹#›</a:t>
             </a:fld>
             <a:endParaRPr lang="en-US"/>
           </a:p>
         </p:txBody>
       </p:sp>
     </p:spTree>
-    <p:extLst>
-      <p:ext uri="{BB962C8B-B14F-4D97-AF65-F5344CB8AC3E}">
-        <p14:creationId xmlns:p14="http://schemas.microsoft.com/office/powerpoint/2010/main" val="3621079853"/>
-      </p:ext>
-    </p:extLst>
   </p:cSld>
   <p:clrMapOvr>
     <a:masterClrMapping/>
@@ -1139,6 +1117,7 @@
               <a:rPr lang="en-US" smtClean="0"/>
               <a:t>Edit Master text styles</a:t>
             </a:r>
+            <a:endParaRPr lang="en-US" smtClean="0"/>
           </a:p>
           <a:p>
             <a:pPr lvl="1"/>
@@ -1146,6 +1125,7 @@
               <a:rPr lang="en-US" smtClean="0"/>
               <a:t>Second level</a:t>
             </a:r>
+            <a:endParaRPr lang="en-US" smtClean="0"/>
           </a:p>
           <a:p>
             <a:pPr lvl="2"/>
@@ -1153,6 +1133,7 @@
               <a:rPr lang="en-US" smtClean="0"/>
               <a:t>Third level</a:t>
             </a:r>
+            <a:endParaRPr lang="en-US" smtClean="0"/>
           </a:p>
           <a:p>
             <a:pPr lvl="3"/>
@@ -1160,6 +1141,7 @@
               <a:rPr lang="en-US" smtClean="0"/>
               <a:t>Fourth level</a:t>
             </a:r>
+            <a:endParaRPr lang="en-US" smtClean="0"/>
           </a:p>
           <a:p>
             <a:pPr lvl="4"/>
@@ -1196,6 +1178,7 @@
               <a:rPr lang="en-US" smtClean="0"/>
               <a:t>Edit Master text styles</a:t>
             </a:r>
+            <a:endParaRPr lang="en-US" smtClean="0"/>
           </a:p>
           <a:p>
             <a:pPr lvl="1"/>
@@ -1203,6 +1186,7 @@
               <a:rPr lang="en-US" smtClean="0"/>
               <a:t>Second level</a:t>
             </a:r>
+            <a:endParaRPr lang="en-US" smtClean="0"/>
           </a:p>
           <a:p>
             <a:pPr lvl="2"/>
@@ -1210,6 +1194,7 @@
               <a:rPr lang="en-US" smtClean="0"/>
               <a:t>Third level</a:t>
             </a:r>
+            <a:endParaRPr lang="en-US" smtClean="0"/>
           </a:p>
           <a:p>
             <a:pPr lvl="3"/>
@@ -1217,6 +1202,7 @@
               <a:rPr lang="en-US" smtClean="0"/>
               <a:t>Fourth level</a:t>
             </a:r>
+            <a:endParaRPr lang="en-US" smtClean="0"/>
           </a:p>
           <a:p>
             <a:pPr lvl="4"/>
@@ -1245,7 +1231,6 @@
           <a:p>
             <a:fld id="{198D863F-60D2-410E-AD5E-951769272811}" type="datetimeFigureOut">
               <a:rPr lang="en-US" smtClean="0"/>
-              <a:t>8/13/2019</a:t>
             </a:fld>
             <a:endParaRPr lang="en-US"/>
           </a:p>
@@ -1287,18 +1272,12 @@
           <a:p>
             <a:fld id="{17B8F2B3-3C31-473F-92F4-35B553DF29B1}" type="slidenum">
               <a:rPr lang="en-US" smtClean="0"/>
-              <a:t>‹#›</a:t>
             </a:fld>
             <a:endParaRPr lang="en-US"/>
           </a:p>
         </p:txBody>
       </p:sp>
     </p:spTree>
-    <p:extLst>
-      <p:ext uri="{BB962C8B-B14F-4D97-AF65-F5344CB8AC3E}">
-        <p14:creationId xmlns:p14="http://schemas.microsoft.com/office/powerpoint/2010/main" val="254187463"/>
-      </p:ext>
-    </p:extLst>
   </p:cSld>
   <p:clrMapOvr>
     <a:masterClrMapping/>
@@ -1413,6 +1392,7 @@
               <a:rPr lang="en-US" smtClean="0"/>
               <a:t>Edit Master text styles</a:t>
             </a:r>
+            <a:endParaRPr lang="en-US" smtClean="0"/>
           </a:p>
         </p:txBody>
       </p:sp>
@@ -1441,6 +1421,7 @@
               <a:rPr lang="en-US" smtClean="0"/>
               <a:t>Edit Master text styles</a:t>
             </a:r>
+            <a:endParaRPr lang="en-US" smtClean="0"/>
           </a:p>
           <a:p>
             <a:pPr lvl="1"/>
@@ -1448,6 +1429,7 @@
               <a:rPr lang="en-US" smtClean="0"/>
               <a:t>Second level</a:t>
             </a:r>
+            <a:endParaRPr lang="en-US" smtClean="0"/>
           </a:p>
           <a:p>
             <a:pPr lvl="2"/>
@@ -1455,6 +1437,7 @@
               <a:rPr lang="en-US" smtClean="0"/>
               <a:t>Third level</a:t>
             </a:r>
+            <a:endParaRPr lang="en-US" smtClean="0"/>
           </a:p>
           <a:p>
             <a:pPr lvl="3"/>
@@ -1462,6 +1445,7 @@
               <a:rPr lang="en-US" smtClean="0"/>
               <a:t>Fourth level</a:t>
             </a:r>
+            <a:endParaRPr lang="en-US" smtClean="0"/>
           </a:p>
           <a:p>
             <a:pPr lvl="4"/>
@@ -1535,6 +1519,7 @@
               <a:rPr lang="en-US" smtClean="0"/>
               <a:t>Edit Master text styles</a:t>
             </a:r>
+            <a:endParaRPr lang="en-US" smtClean="0"/>
           </a:p>
         </p:txBody>
       </p:sp>
@@ -1563,6 +1548,7 @@
               <a:rPr lang="en-US" smtClean="0"/>
               <a:t>Edit Master text styles</a:t>
             </a:r>
+            <a:endParaRPr lang="en-US" smtClean="0"/>
           </a:p>
           <a:p>
             <a:pPr lvl="1"/>
@@ -1570,6 +1556,7 @@
               <a:rPr lang="en-US" smtClean="0"/>
               <a:t>Second level</a:t>
             </a:r>
+            <a:endParaRPr lang="en-US" smtClean="0"/>
           </a:p>
           <a:p>
             <a:pPr lvl="2"/>
@@ -1577,6 +1564,7 @@
               <a:rPr lang="en-US" smtClean="0"/>
               <a:t>Third level</a:t>
             </a:r>
+            <a:endParaRPr lang="en-US" smtClean="0"/>
           </a:p>
           <a:p>
             <a:pPr lvl="3"/>
@@ -1584,6 +1572,7 @@
               <a:rPr lang="en-US" smtClean="0"/>
               <a:t>Fourth level</a:t>
             </a:r>
+            <a:endParaRPr lang="en-US" smtClean="0"/>
           </a:p>
           <a:p>
             <a:pPr lvl="4"/>
@@ -1612,7 +1601,6 @@
           <a:p>
             <a:fld id="{198D863F-60D2-410E-AD5E-951769272811}" type="datetimeFigureOut">
               <a:rPr lang="en-US" smtClean="0"/>
-              <a:t>8/13/2019</a:t>
             </a:fld>
             <a:endParaRPr lang="en-US"/>
           </a:p>
@@ -1654,18 +1642,12 @@
           <a:p>
             <a:fld id="{17B8F2B3-3C31-473F-92F4-35B553DF29B1}" type="slidenum">
               <a:rPr lang="en-US" smtClean="0"/>
-              <a:t>‹#›</a:t>
             </a:fld>
             <a:endParaRPr lang="en-US"/>
           </a:p>
         </p:txBody>
       </p:sp>
     </p:spTree>
-    <p:extLst>
-      <p:ext uri="{BB962C8B-B14F-4D97-AF65-F5344CB8AC3E}">
-        <p14:creationId xmlns:p14="http://schemas.microsoft.com/office/powerpoint/2010/main" val="3449294704"/>
-      </p:ext>
-    </p:extLst>
   </p:cSld>
   <p:clrMapOvr>
     <a:masterClrMapping/>
@@ -1730,7 +1712,6 @@
           <a:p>
             <a:fld id="{198D863F-60D2-410E-AD5E-951769272811}" type="datetimeFigureOut">
               <a:rPr lang="en-US" smtClean="0"/>
-              <a:t>8/13/2019</a:t>
             </a:fld>
             <a:endParaRPr lang="en-US"/>
           </a:p>
@@ -1772,18 +1753,12 @@
           <a:p>
             <a:fld id="{17B8F2B3-3C31-473F-92F4-35B553DF29B1}" type="slidenum">
               <a:rPr lang="en-US" smtClean="0"/>
-              <a:t>‹#›</a:t>
             </a:fld>
             <a:endParaRPr lang="en-US"/>
           </a:p>
         </p:txBody>
       </p:sp>
     </p:spTree>
-    <p:extLst>
-      <p:ext uri="{BB962C8B-B14F-4D97-AF65-F5344CB8AC3E}">
-        <p14:creationId xmlns:p14="http://schemas.microsoft.com/office/powerpoint/2010/main" val="3450211130"/>
-      </p:ext>
-    </p:extLst>
   </p:cSld>
   <p:clrMapOvr>
     <a:masterClrMapping/>
@@ -1825,7 +1800,6 @@
           <a:p>
             <a:fld id="{198D863F-60D2-410E-AD5E-951769272811}" type="datetimeFigureOut">
               <a:rPr lang="en-US" smtClean="0"/>
-              <a:t>8/13/2019</a:t>
             </a:fld>
             <a:endParaRPr lang="en-US"/>
           </a:p>
@@ -1867,18 +1841,12 @@
           <a:p>
             <a:fld id="{17B8F2B3-3C31-473F-92F4-35B553DF29B1}" type="slidenum">
               <a:rPr lang="en-US" smtClean="0"/>
-              <a:t>‹#›</a:t>
             </a:fld>
             <a:endParaRPr lang="en-US"/>
           </a:p>
         </p:txBody>
       </p:sp>
     </p:spTree>
-    <p:extLst>
-      <p:ext uri="{BB962C8B-B14F-4D97-AF65-F5344CB8AC3E}">
-        <p14:creationId xmlns:p14="http://schemas.microsoft.com/office/powerpoint/2010/main" val="3182465157"/>
-      </p:ext>
-    </p:extLst>
   </p:cSld>
   <p:clrMapOvr>
     <a:masterClrMapping/>
@@ -1988,6 +1956,7 @@
               <a:rPr lang="en-US" smtClean="0"/>
               <a:t>Edit Master text styles</a:t>
             </a:r>
+            <a:endParaRPr lang="en-US" smtClean="0"/>
           </a:p>
           <a:p>
             <a:pPr lvl="1"/>
@@ -1995,6 +1964,7 @@
               <a:rPr lang="en-US" smtClean="0"/>
               <a:t>Second level</a:t>
             </a:r>
+            <a:endParaRPr lang="en-US" smtClean="0"/>
           </a:p>
           <a:p>
             <a:pPr lvl="2"/>
@@ -2002,6 +1972,7 @@
               <a:rPr lang="en-US" smtClean="0"/>
               <a:t>Third level</a:t>
             </a:r>
+            <a:endParaRPr lang="en-US" smtClean="0"/>
           </a:p>
           <a:p>
             <a:pPr lvl="3"/>
@@ -2009,6 +1980,7 @@
               <a:rPr lang="en-US" smtClean="0"/>
               <a:t>Fourth level</a:t>
             </a:r>
+            <a:endParaRPr lang="en-US" smtClean="0"/>
           </a:p>
           <a:p>
             <a:pPr lvl="4"/>
@@ -2082,6 +2054,7 @@
               <a:rPr lang="en-US" smtClean="0"/>
               <a:t>Edit Master text styles</a:t>
             </a:r>
+            <a:endParaRPr lang="en-US" smtClean="0"/>
           </a:p>
         </p:txBody>
       </p:sp>
@@ -2102,7 +2075,6 @@
           <a:p>
             <a:fld id="{198D863F-60D2-410E-AD5E-951769272811}" type="datetimeFigureOut">
               <a:rPr lang="en-US" smtClean="0"/>
-              <a:t>8/13/2019</a:t>
             </a:fld>
             <a:endParaRPr lang="en-US"/>
           </a:p>
@@ -2144,18 +2116,12 @@
           <a:p>
             <a:fld id="{17B8F2B3-3C31-473F-92F4-35B553DF29B1}" type="slidenum">
               <a:rPr lang="en-US" smtClean="0"/>
-              <a:t>‹#›</a:t>
             </a:fld>
             <a:endParaRPr lang="en-US"/>
           </a:p>
         </p:txBody>
       </p:sp>
     </p:spTree>
-    <p:extLst>
-      <p:ext uri="{BB962C8B-B14F-4D97-AF65-F5344CB8AC3E}">
-        <p14:creationId xmlns:p14="http://schemas.microsoft.com/office/powerpoint/2010/main" val="338860653"/>
-      </p:ext>
-    </p:extLst>
   </p:cSld>
   <p:clrMapOvr>
     <a:masterClrMapping/>
@@ -2335,6 +2301,7 @@
               <a:rPr lang="en-US" smtClean="0"/>
               <a:t>Edit Master text styles</a:t>
             </a:r>
+            <a:endParaRPr lang="en-US" smtClean="0"/>
           </a:p>
         </p:txBody>
       </p:sp>
@@ -2355,7 +2322,6 @@
           <a:p>
             <a:fld id="{198D863F-60D2-410E-AD5E-951769272811}" type="datetimeFigureOut">
               <a:rPr lang="en-US" smtClean="0"/>
-              <a:t>8/13/2019</a:t>
             </a:fld>
             <a:endParaRPr lang="en-US"/>
           </a:p>
@@ -2397,18 +2363,12 @@
           <a:p>
             <a:fld id="{17B8F2B3-3C31-473F-92F4-35B553DF29B1}" type="slidenum">
               <a:rPr lang="en-US" smtClean="0"/>
-              <a:t>‹#›</a:t>
             </a:fld>
             <a:endParaRPr lang="en-US"/>
           </a:p>
         </p:txBody>
       </p:sp>
     </p:spTree>
-    <p:extLst>
-      <p:ext uri="{BB962C8B-B14F-4D97-AF65-F5344CB8AC3E}">
-        <p14:creationId xmlns:p14="http://schemas.microsoft.com/office/powerpoint/2010/main" val="3390880328"/>
-      </p:ext>
-    </p:extLst>
   </p:cSld>
   <p:clrMapOvr>
     <a:masterClrMapping/>
@@ -2501,6 +2461,7 @@
               <a:rPr lang="en-US" smtClean="0"/>
               <a:t>Edit Master text styles</a:t>
             </a:r>
+            <a:endParaRPr lang="en-US" smtClean="0"/>
           </a:p>
           <a:p>
             <a:pPr lvl="1"/>
@@ -2508,6 +2469,7 @@
               <a:rPr lang="en-US" smtClean="0"/>
               <a:t>Second level</a:t>
             </a:r>
+            <a:endParaRPr lang="en-US" smtClean="0"/>
           </a:p>
           <a:p>
             <a:pPr lvl="2"/>
@@ -2515,6 +2477,7 @@
               <a:rPr lang="en-US" smtClean="0"/>
               <a:t>Third level</a:t>
             </a:r>
+            <a:endParaRPr lang="en-US" smtClean="0"/>
           </a:p>
           <a:p>
             <a:pPr lvl="3"/>
@@ -2522,6 +2485,7 @@
               <a:rPr lang="en-US" smtClean="0"/>
               <a:t>Fourth level</a:t>
             </a:r>
+            <a:endParaRPr lang="en-US" smtClean="0"/>
           </a:p>
           <a:p>
             <a:pPr lvl="4"/>
@@ -2568,7 +2532,6 @@
           <a:p>
             <a:fld id="{198D863F-60D2-410E-AD5E-951769272811}" type="datetimeFigureOut">
               <a:rPr lang="en-US" smtClean="0"/>
-              <a:t>8/13/2019</a:t>
             </a:fld>
             <a:endParaRPr lang="en-US"/>
           </a:p>
@@ -2646,18 +2609,12 @@
           <a:p>
             <a:fld id="{17B8F2B3-3C31-473F-92F4-35B553DF29B1}" type="slidenum">
               <a:rPr lang="en-US" smtClean="0"/>
-              <a:t>‹#›</a:t>
             </a:fld>
             <a:endParaRPr lang="en-US"/>
           </a:p>
         </p:txBody>
       </p:sp>
     </p:spTree>
-    <p:extLst>
-      <p:ext uri="{BB962C8B-B14F-4D97-AF65-F5344CB8AC3E}">
-        <p14:creationId xmlns:p14="http://schemas.microsoft.com/office/powerpoint/2010/main" val="3378545516"/>
-      </p:ext>
-    </p:extLst>
   </p:cSld>
   <p:clrMap bg1="lt1" tx1="dk1" bg2="lt2" tx2="dk2" accent1="accent1" accent2="accent2" accent3="accent3" accent4="accent4" accent5="accent5" accent6="accent6" hlink="hlink" folHlink="folHlink"/>
   <p:sldLayoutIdLst>
@@ -3020,11 +2977,108 @@
         </p:txBody>
       </p:sp>
     </p:spTree>
-    <p:extLst>
-      <p:ext uri="{BB962C8B-B14F-4D97-AF65-F5344CB8AC3E}">
-        <p14:creationId xmlns:p14="http://schemas.microsoft.com/office/powerpoint/2010/main" val="1366831308"/>
-      </p:ext>
-    </p:extLst>
+  </p:cSld>
+  <p:clrMapOvr>
+    <a:masterClrMapping/>
+  </p:clrMapOvr>
+</p:sld>
+</file>
+
+<file path=ppt/slides/slide10.xml><?xml version="1.0" encoding="utf-8"?>
+<p:sld xmlns:a="http://schemas.openxmlformats.org/drawingml/2006/main" xmlns:r="http://schemas.openxmlformats.org/officeDocument/2006/relationships" xmlns:p="http://schemas.openxmlformats.org/presentationml/2006/main">
+  <p:cSld>
+    <p:spTree>
+      <p:nvGrpSpPr>
+        <p:cNvPr id="1" name=""/>
+        <p:cNvGrpSpPr/>
+        <p:nvPr/>
+      </p:nvGrpSpPr>
+      <p:grpSpPr/>
+      <p:sp>
+        <p:nvSpPr>
+          <p:cNvPr id="2" name="Title 1"/>
+          <p:cNvSpPr>
+            <a:spLocks noGrp="1"/>
+          </p:cNvSpPr>
+          <p:nvPr>
+            <p:ph type="title"/>
+          </p:nvPr>
+        </p:nvSpPr>
+        <p:spPr>
+          <a:xfrm>
+            <a:off x="838200" y="365125"/>
+            <a:ext cx="10515600" cy="626745"/>
+          </a:xfrm>
+        </p:spPr>
+        <p:txBody>
+          <a:bodyPr>
+            <a:normAutofit fontScale="90000"/>
+          </a:bodyPr>
+          <a:p>
+            <a:r>
+              <a:rPr lang="en-US"/>
+              <a:t>AWS Storage</a:t>
+            </a:r>
+            <a:endParaRPr lang="en-US"/>
+          </a:p>
+        </p:txBody>
+      </p:sp>
+      <p:sp>
+        <p:nvSpPr>
+          <p:cNvPr id="3" name="Content Placeholder 2"/>
+          <p:cNvSpPr>
+            <a:spLocks noGrp="1"/>
+          </p:cNvSpPr>
+          <p:nvPr>
+            <p:ph idx="1"/>
+          </p:nvPr>
+        </p:nvSpPr>
+        <p:spPr>
+          <a:xfrm>
+            <a:off x="838200" y="991870"/>
+            <a:ext cx="10515600" cy="5185410"/>
+          </a:xfrm>
+        </p:spPr>
+        <p:txBody>
+          <a:bodyPr/>
+          <a:p>
+            <a:r>
+              <a:rPr lang="en-US"/>
+              <a:t>Cheap storage.</a:t>
+            </a:r>
+            <a:endParaRPr lang="en-US"/>
+          </a:p>
+          <a:p>
+            <a:r>
+              <a:rPr lang="en-US"/>
+              <a:t>Used for infrequently used data, ideal for backup.</a:t>
+            </a:r>
+            <a:endParaRPr lang="en-US"/>
+          </a:p>
+          <a:p>
+            <a:r>
+              <a:rPr lang="en-US"/>
+              <a:t>very slow retrieval times.</a:t>
+            </a:r>
+            <a:endParaRPr lang="en-US"/>
+          </a:p>
+          <a:p>
+            <a:r>
+              <a:rPr lang="en-US"/>
+              <a:t>High Durability.</a:t>
+            </a:r>
+            <a:endParaRPr lang="en-US"/>
+          </a:p>
+          <a:p>
+            <a:r>
+              <a:rPr lang="en-US"/>
+              <a:t>Cost for restoring.</a:t>
+            </a:r>
+            <a:endParaRPr lang="en-US"/>
+          </a:p>
+        </p:txBody>
+      </p:sp>
+    </p:spTree>
   </p:cSld>
   <p:clrMapOvr>
     <a:masterClrMapping/>
@@ -3112,12 +3166,14 @@
               <a:rPr lang="en-US" sz="1600" dirty="0" smtClean="0"/>
               <a:t>In layman terms , it is the automation of highly virtualized environments.</a:t>
             </a:r>
+            <a:endParaRPr lang="en-US" sz="1600" dirty="0" smtClean="0"/>
           </a:p>
           <a:p>
             <a:r>
               <a:rPr lang="en-US" sz="1600" dirty="0" smtClean="0"/>
               <a:t>5 essential characteristics</a:t>
             </a:r>
+            <a:endParaRPr lang="en-US" sz="1600" dirty="0" smtClean="0"/>
           </a:p>
           <a:p>
             <a:pPr lvl="1"/>
@@ -3125,6 +3181,7 @@
               <a:rPr lang="en-US" sz="1200" dirty="0" smtClean="0"/>
               <a:t>On demand .</a:t>
             </a:r>
+            <a:endParaRPr lang="en-US" sz="1200" dirty="0" smtClean="0"/>
           </a:p>
           <a:p>
             <a:pPr lvl="1"/>
@@ -3132,6 +3189,7 @@
               <a:rPr lang="en-US" sz="1200" dirty="0" smtClean="0"/>
               <a:t>Broad network access.</a:t>
             </a:r>
+            <a:endParaRPr lang="en-US" sz="1200" dirty="0" smtClean="0"/>
           </a:p>
           <a:p>
             <a:pPr lvl="1"/>
@@ -3139,6 +3197,7 @@
               <a:rPr lang="en-US" sz="1200" dirty="0" smtClean="0"/>
               <a:t>Resource Pooling.</a:t>
             </a:r>
+            <a:endParaRPr lang="en-US" sz="1200" dirty="0" smtClean="0"/>
           </a:p>
           <a:p>
             <a:pPr lvl="1"/>
@@ -3146,6 +3205,7 @@
               <a:rPr lang="en-US" sz="1200" dirty="0" smtClean="0"/>
               <a:t>Rapid Elasticity</a:t>
             </a:r>
+            <a:endParaRPr lang="en-US" sz="1200" dirty="0" smtClean="0"/>
           </a:p>
           <a:p>
             <a:pPr lvl="1"/>
@@ -3153,12 +3213,14 @@
               <a:rPr lang="en-US" sz="1200" dirty="0" smtClean="0"/>
               <a:t>Measured Services.</a:t>
             </a:r>
+            <a:endParaRPr lang="en-US" sz="1200" dirty="0" smtClean="0"/>
           </a:p>
           <a:p>
             <a:r>
               <a:rPr lang="en-US" sz="1600" dirty="0" smtClean="0"/>
               <a:t> 3 service models</a:t>
             </a:r>
+            <a:endParaRPr lang="en-US" sz="1600" dirty="0" smtClean="0"/>
           </a:p>
           <a:p>
             <a:pPr lvl="1"/>
@@ -3166,6 +3228,7 @@
               <a:rPr lang="en-US" sz="1200" dirty="0" smtClean="0"/>
               <a:t>IaaS (Infrastructure as Service)</a:t>
             </a:r>
+            <a:endParaRPr lang="en-US" sz="1200" dirty="0" smtClean="0"/>
           </a:p>
           <a:p>
             <a:pPr lvl="1"/>
@@ -3173,6 +3236,7 @@
               <a:rPr lang="en-US" sz="1200" dirty="0" smtClean="0"/>
               <a:t>PaaS (Platform as Service)</a:t>
             </a:r>
+            <a:endParaRPr lang="en-US" sz="1200" dirty="0" smtClean="0"/>
           </a:p>
           <a:p>
             <a:pPr lvl="1"/>
@@ -3180,12 +3244,14 @@
               <a:rPr lang="en-US" sz="1200" dirty="0" smtClean="0"/>
               <a:t>SaaS (Software as Service)</a:t>
             </a:r>
+            <a:endParaRPr lang="en-US" sz="1200" dirty="0" smtClean="0"/>
           </a:p>
           <a:p>
             <a:r>
               <a:rPr lang="en-US" sz="1600" dirty="0" smtClean="0"/>
               <a:t> 5 deployment models</a:t>
             </a:r>
+            <a:endParaRPr lang="en-US" sz="1600" dirty="0" smtClean="0"/>
           </a:p>
           <a:p>
             <a:pPr lvl="1"/>
@@ -3193,6 +3259,7 @@
               <a:rPr lang="en-US" sz="1200" dirty="0" smtClean="0"/>
               <a:t>Private Cloud ( On Premises) ,</a:t>
             </a:r>
+            <a:endParaRPr lang="en-US" sz="1200" dirty="0" smtClean="0"/>
           </a:p>
           <a:p>
             <a:pPr lvl="1"/>
@@ -3200,6 +3267,7 @@
               <a:rPr lang="en-US" sz="1200" dirty="0" smtClean="0"/>
               <a:t> Private cloud in Public Cloud).</a:t>
             </a:r>
+            <a:endParaRPr lang="en-US" sz="1200" dirty="0" smtClean="0"/>
           </a:p>
           <a:p>
             <a:pPr lvl="1"/>
@@ -3207,6 +3275,7 @@
               <a:rPr lang="en-US" sz="1200" dirty="0" smtClean="0"/>
               <a:t>Hybrid ( some on premises and some on Public Cloud)</a:t>
             </a:r>
+            <a:endParaRPr lang="en-US" sz="1200" dirty="0" smtClean="0"/>
           </a:p>
           <a:p>
             <a:pPr lvl="1"/>
@@ -3214,6 +3283,7 @@
               <a:rPr lang="en-US" sz="1200" dirty="0" smtClean="0"/>
               <a:t>Community (Vertical/institution Cloud).</a:t>
             </a:r>
+            <a:endParaRPr lang="en-US" sz="1200" dirty="0" smtClean="0"/>
           </a:p>
           <a:p>
             <a:pPr lvl="1"/>
@@ -3226,11 +3296,6 @@
         </p:txBody>
       </p:sp>
     </p:spTree>
-    <p:extLst>
-      <p:ext uri="{BB962C8B-B14F-4D97-AF65-F5344CB8AC3E}">
-        <p14:creationId xmlns:p14="http://schemas.microsoft.com/office/powerpoint/2010/main" val="951830640"/>
-      </p:ext>
-    </p:extLst>
   </p:cSld>
   <p:clrMapOvr>
     <a:masterClrMapping/>
@@ -3296,7 +3361,7 @@
           </p:nvPr>
         </p:nvPicPr>
         <p:blipFill>
-          <a:blip r:embed="rId2"/>
+          <a:blip r:embed="rId1"/>
           <a:stretch>
             <a:fillRect/>
           </a:stretch>
@@ -3312,11 +3377,6 @@
         </p:spPr>
       </p:pic>
     </p:spTree>
-    <p:extLst>
-      <p:ext uri="{BB962C8B-B14F-4D97-AF65-F5344CB8AC3E}">
-        <p14:creationId xmlns:p14="http://schemas.microsoft.com/office/powerpoint/2010/main" val="4043799966"/>
-      </p:ext>
-    </p:extLst>
   </p:cSld>
   <p:clrMapOvr>
     <a:masterClrMapping/>
@@ -3382,7 +3442,7 @@
           </p:nvPr>
         </p:nvPicPr>
         <p:blipFill>
-          <a:blip r:embed="rId2"/>
+          <a:blip r:embed="rId1"/>
           <a:stretch>
             <a:fillRect/>
           </a:stretch>
@@ -3406,7 +3466,7 @@
           <p:nvPr/>
         </p:nvPicPr>
         <p:blipFill>
-          <a:blip r:embed="rId3"/>
+          <a:blip r:embed="rId2"/>
           <a:stretch>
             <a:fillRect/>
           </a:stretch>
@@ -3422,11 +3482,6 @@
         </p:spPr>
       </p:pic>
     </p:spTree>
-    <p:extLst>
-      <p:ext uri="{BB962C8B-B14F-4D97-AF65-F5344CB8AC3E}">
-        <p14:creationId xmlns:p14="http://schemas.microsoft.com/office/powerpoint/2010/main" val="1284357501"/>
-      </p:ext>
-    </p:extLst>
   </p:cSld>
   <p:clrMapOvr>
     <a:masterClrMapping/>
@@ -3505,12 +3560,14 @@
               <a:rPr lang="en-US" dirty="0" smtClean="0"/>
               <a:t>Region: is a Geographical Area described by the cloud Provider.</a:t>
             </a:r>
+            <a:endParaRPr lang="en-US" dirty="0" smtClean="0"/>
           </a:p>
           <a:p>
             <a:r>
               <a:rPr lang="en-US" dirty="0" smtClean="0"/>
               <a:t>Availability Zone: Data Centre(s) .in a Region</a:t>
             </a:r>
+            <a:endParaRPr lang="en-US" dirty="0" smtClean="0"/>
           </a:p>
           <a:p>
             <a:r>
@@ -3525,6 +3582,7 @@
               <a:rPr lang="en-US" dirty="0" smtClean="0"/>
               <a:t>services are available in all the regions.</a:t>
             </a:r>
+            <a:endParaRPr lang="en-US" dirty="0" smtClean="0"/>
           </a:p>
           <a:p>
             <a:r>
@@ -3536,11 +3594,584 @@
         </p:txBody>
       </p:sp>
     </p:spTree>
-    <p:extLst>
-      <p:ext uri="{BB962C8B-B14F-4D97-AF65-F5344CB8AC3E}">
-        <p14:creationId xmlns:p14="http://schemas.microsoft.com/office/powerpoint/2010/main" val="708406048"/>
-      </p:ext>
-    </p:extLst>
+  </p:cSld>
+  <p:clrMapOvr>
+    <a:masterClrMapping/>
+  </p:clrMapOvr>
+</p:sld>
+</file>
+
+<file path=ppt/slides/slide6.xml><?xml version="1.0" encoding="utf-8"?>
+<p:sld xmlns:a="http://schemas.openxmlformats.org/drawingml/2006/main" xmlns:r="http://schemas.openxmlformats.org/officeDocument/2006/relationships" xmlns:p="http://schemas.openxmlformats.org/presentationml/2006/main">
+  <p:cSld>
+    <p:spTree>
+      <p:nvGrpSpPr>
+        <p:cNvPr id="1" name=""/>
+        <p:cNvGrpSpPr/>
+        <p:nvPr/>
+      </p:nvGrpSpPr>
+      <p:grpSpPr/>
+      <p:sp>
+        <p:nvSpPr>
+          <p:cNvPr id="2" name="Title 1"/>
+          <p:cNvSpPr>
+            <a:spLocks noGrp="1"/>
+          </p:cNvSpPr>
+          <p:nvPr>
+            <p:ph type="title"/>
+          </p:nvPr>
+        </p:nvSpPr>
+        <p:spPr>
+          <a:xfrm>
+            <a:off x="838200" y="365125"/>
+            <a:ext cx="10515600" cy="705485"/>
+          </a:xfrm>
+        </p:spPr>
+        <p:txBody>
+          <a:bodyPr>
+            <a:normAutofit fontScale="90000"/>
+          </a:bodyPr>
+          <a:p>
+            <a:r>
+              <a:rPr lang="en-US"/>
+              <a:t>AWS Storage</a:t>
+            </a:r>
+            <a:endParaRPr lang="en-US"/>
+          </a:p>
+        </p:txBody>
+      </p:sp>
+      <p:sp>
+        <p:nvSpPr>
+          <p:cNvPr id="3" name="Content Placeholder 2"/>
+          <p:cNvSpPr>
+            <a:spLocks noGrp="1"/>
+          </p:cNvSpPr>
+          <p:nvPr>
+            <p:ph idx="1"/>
+          </p:nvPr>
+        </p:nvSpPr>
+        <p:spPr>
+          <a:xfrm>
+            <a:off x="838200" y="1070610"/>
+            <a:ext cx="10515600" cy="5106670"/>
+          </a:xfrm>
+        </p:spPr>
+        <p:txBody>
+          <a:bodyPr>
+            <a:normAutofit lnSpcReduction="10000"/>
+          </a:bodyPr>
+          <a:p>
+            <a:r>
+              <a:rPr lang="en-US"/>
+              <a:t>Ephemeral Storage:  </a:t>
+            </a:r>
+            <a:endParaRPr lang="en-US"/>
+          </a:p>
+          <a:p>
+            <a:pPr lvl="1"/>
+            <a:r>
+              <a:rPr lang="en-US"/>
+              <a:t>Temporary storage. It is temperory block level storage which is hosted on the same server hosting the EC2 instance.</a:t>
+            </a:r>
+            <a:endParaRPr lang="en-US"/>
+          </a:p>
+          <a:p>
+            <a:pPr lvl="1"/>
+            <a:r>
+              <a:rPr lang="en-US"/>
+              <a:t>Data is lost when the instance is stopped or teminated.</a:t>
+            </a:r>
+            <a:endParaRPr lang="en-US"/>
+          </a:p>
+          <a:p>
+            <a:pPr marL="457200" lvl="1" indent="0">
+              <a:buNone/>
+            </a:pPr>
+            <a:r>
+              <a:rPr lang="en-US">
+                <a:sym typeface="+mn-ea"/>
+              </a:rPr>
+              <a:t>S3 :  Simple Storage Service</a:t>
+            </a:r>
+            <a:endParaRPr lang="en-US"/>
+          </a:p>
+          <a:p>
+            <a:pPr lvl="2"/>
+            <a:r>
+              <a:rPr lang="en-US">
+                <a:sym typeface="+mn-ea"/>
+              </a:rPr>
+              <a:t>It was the fisrt AWS service introduced in 2006.</a:t>
+            </a:r>
+            <a:endParaRPr lang="en-US">
+              <a:sym typeface="+mn-ea"/>
+            </a:endParaRPr>
+          </a:p>
+          <a:p>
+            <a:pPr lvl="2"/>
+            <a:r>
+              <a:rPr lang="en-US"/>
+              <a:t>It is acceessible over the internet. via http/https.</a:t>
+            </a:r>
+            <a:endParaRPr lang="en-US"/>
+          </a:p>
+          <a:p>
+            <a:pPr lvl="2"/>
+            <a:r>
+              <a:rPr lang="en-US"/>
+              <a:t>Can used to store files/backups.</a:t>
+            </a:r>
+            <a:endParaRPr lang="en-US"/>
+          </a:p>
+          <a:p>
+            <a:pPr lvl="2"/>
+            <a:r>
+              <a:rPr lang="en-US"/>
+              <a:t>Unlimited bucket size, however single object/file is limited to 5TB.</a:t>
+            </a:r>
+            <a:endParaRPr lang="en-US"/>
+          </a:p>
+          <a:p>
+            <a:pPr lvl="2"/>
+            <a:r>
+              <a:rPr lang="en-US"/>
+              <a:t>Not a file system.</a:t>
+            </a:r>
+            <a:endParaRPr lang="en-US"/>
+          </a:p>
+          <a:p>
+            <a:pPr lvl="2"/>
+            <a:r>
+              <a:rPr lang="en-US"/>
+              <a:t>Priced on storage used and file transfered out of S3.</a:t>
+            </a:r>
+            <a:endParaRPr lang="en-US"/>
+          </a:p>
+          <a:p>
+            <a:pPr lvl="2"/>
+            <a:r>
+              <a:rPr lang="en-US"/>
+              <a:t>Two type of storage , 1) Standard storage 2) Reduced redundancy storage.</a:t>
+            </a:r>
+            <a:endParaRPr lang="en-US"/>
+          </a:p>
+          <a:p>
+            <a:pPr lvl="2"/>
+            <a:r>
+              <a:rPr lang="en-US"/>
+              <a:t>Granular selection for storage type.</a:t>
+            </a:r>
+            <a:endParaRPr lang="en-US"/>
+          </a:p>
+          <a:p>
+            <a:pPr lvl="2"/>
+            <a:r>
+              <a:rPr lang="en-US"/>
+              <a:t>Bucket name needs to be unique with in the region in which the bucket is being created.</a:t>
+            </a:r>
+            <a:endParaRPr lang="en-US"/>
+          </a:p>
+          <a:p>
+            <a:pPr lvl="2"/>
+            <a:r>
+              <a:rPr lang="en-US"/>
+              <a:t>3 uses a flat file sytem.</a:t>
+            </a:r>
+            <a:endParaRPr lang="en-US"/>
+          </a:p>
+        </p:txBody>
+      </p:sp>
+      <p:sp>
+        <p:nvSpPr>
+          <p:cNvPr id="4" name="Text Box 3"/>
+          <p:cNvSpPr txBox="1"/>
+          <p:nvPr/>
+        </p:nvSpPr>
+        <p:spPr>
+          <a:xfrm>
+            <a:off x="4826000" y="3106420"/>
+            <a:ext cx="2540000" cy="368300"/>
+          </a:xfrm>
+          <a:prstGeom prst="rect">
+            <a:avLst/>
+          </a:prstGeom>
+          <a:noFill/>
+        </p:spPr>
+        <p:txBody>
+          <a:bodyPr wrap="square" rtlCol="0" anchor="t">
+            <a:spAutoFit/>
+          </a:bodyPr>
+          <a:p>
+            <a:endParaRPr lang="en-US"/>
+          </a:p>
+        </p:txBody>
+      </p:sp>
+    </p:spTree>
+  </p:cSld>
+  <p:clrMapOvr>
+    <a:masterClrMapping/>
+  </p:clrMapOvr>
+</p:sld>
+</file>
+
+<file path=ppt/slides/slide7.xml><?xml version="1.0" encoding="utf-8"?>
+<p:sld xmlns:a="http://schemas.openxmlformats.org/drawingml/2006/main" xmlns:r="http://schemas.openxmlformats.org/officeDocument/2006/relationships" xmlns:p="http://schemas.openxmlformats.org/presentationml/2006/main">
+  <p:cSld>
+    <p:spTree>
+      <p:nvGrpSpPr>
+        <p:cNvPr id="1" name=""/>
+        <p:cNvGrpSpPr/>
+        <p:nvPr/>
+      </p:nvGrpSpPr>
+      <p:grpSpPr/>
+      <p:sp>
+        <p:nvSpPr>
+          <p:cNvPr id="2" name="Title 1"/>
+          <p:cNvSpPr>
+            <a:spLocks noGrp="1"/>
+          </p:cNvSpPr>
+          <p:nvPr>
+            <p:ph type="title"/>
+          </p:nvPr>
+        </p:nvSpPr>
+        <p:spPr>
+          <a:xfrm>
+            <a:off x="838200" y="365125"/>
+            <a:ext cx="10515600" cy="626745"/>
+          </a:xfrm>
+        </p:spPr>
+        <p:txBody>
+          <a:bodyPr>
+            <a:normAutofit fontScale="90000"/>
+          </a:bodyPr>
+          <a:p>
+            <a:r>
+              <a:rPr lang="en-US"/>
+              <a:t>AWS Storage</a:t>
+            </a:r>
+            <a:endParaRPr lang="en-US"/>
+          </a:p>
+        </p:txBody>
+      </p:sp>
+      <p:sp>
+        <p:nvSpPr>
+          <p:cNvPr id="3" name="Content Placeholder 2"/>
+          <p:cNvSpPr>
+            <a:spLocks noGrp="1"/>
+          </p:cNvSpPr>
+          <p:nvPr>
+            <p:ph idx="1"/>
+          </p:nvPr>
+        </p:nvSpPr>
+        <p:spPr>
+          <a:xfrm>
+            <a:off x="838200" y="1143000"/>
+            <a:ext cx="10515600" cy="5034280"/>
+          </a:xfrm>
+        </p:spPr>
+        <p:txBody>
+          <a:bodyPr/>
+          <a:p>
+            <a:r>
+              <a:rPr lang="en-US"/>
+              <a:t>Elastic Block Storage(EBS).</a:t>
+            </a:r>
+            <a:endParaRPr lang="en-US"/>
+          </a:p>
+          <a:p>
+            <a:pPr lvl="1"/>
+            <a:r>
+              <a:rPr lang="en-US"/>
+              <a:t>Not a service like S3 i.e. not accessible via internet.</a:t>
+            </a:r>
+            <a:endParaRPr lang="en-US"/>
+          </a:p>
+          <a:p>
+            <a:pPr lvl="1"/>
+            <a:r>
+              <a:rPr lang="en-US"/>
+              <a:t>is a support system for compute instance.</a:t>
+            </a:r>
+            <a:endParaRPr lang="en-US"/>
+          </a:p>
+          <a:p>
+            <a:pPr lvl="1"/>
+            <a:r>
+              <a:rPr lang="en-US"/>
+              <a:t>Doesnot needs to be attached to an instance.</a:t>
+            </a:r>
+            <a:endParaRPr lang="en-US"/>
+          </a:p>
+          <a:p>
+            <a:pPr lvl="1"/>
+            <a:r>
+              <a:rPr lang="en-US"/>
+              <a:t>can be transfered between availability zones.</a:t>
+            </a:r>
+            <a:endParaRPr lang="en-US"/>
+          </a:p>
+          <a:p>
+            <a:pPr lvl="1"/>
+            <a:r>
+              <a:rPr lang="en-US"/>
+              <a:t>supports incremental snapshots.</a:t>
+            </a:r>
+            <a:endParaRPr lang="en-US"/>
+          </a:p>
+          <a:p>
+            <a:pPr lvl="1"/>
+            <a:r>
+              <a:rPr lang="en-US"/>
+              <a:t>Uses S3 for storing snapshot storage.</a:t>
+            </a:r>
+            <a:endParaRPr lang="en-US"/>
+          </a:p>
+          <a:p>
+            <a:pPr lvl="1"/>
+            <a:r>
+              <a:rPr lang="en-US"/>
+              <a:t>Provisioned IOPS.</a:t>
+            </a:r>
+            <a:endParaRPr lang="en-US"/>
+          </a:p>
+          <a:p>
+            <a:pPr lvl="1"/>
+            <a:r>
+              <a:rPr lang="en-US"/>
+              <a:t>Can be used by a single instance at a given time.</a:t>
+            </a:r>
+            <a:endParaRPr lang="en-US"/>
+          </a:p>
+        </p:txBody>
+      </p:sp>
+    </p:spTree>
+  </p:cSld>
+  <p:clrMapOvr>
+    <a:masterClrMapping/>
+  </p:clrMapOvr>
+</p:sld>
+</file>
+
+<file path=ppt/slides/slide8.xml><?xml version="1.0" encoding="utf-8"?>
+<p:sld xmlns:a="http://schemas.openxmlformats.org/drawingml/2006/main" xmlns:r="http://schemas.openxmlformats.org/officeDocument/2006/relationships" xmlns:p="http://schemas.openxmlformats.org/presentationml/2006/main">
+  <p:cSld>
+    <p:spTree>
+      <p:nvGrpSpPr>
+        <p:cNvPr id="1" name=""/>
+        <p:cNvGrpSpPr/>
+        <p:nvPr/>
+      </p:nvGrpSpPr>
+      <p:grpSpPr/>
+      <p:sp>
+        <p:nvSpPr>
+          <p:cNvPr id="2" name="Title 1"/>
+          <p:cNvSpPr>
+            <a:spLocks noGrp="1"/>
+          </p:cNvSpPr>
+          <p:nvPr>
+            <p:ph type="title"/>
+          </p:nvPr>
+        </p:nvSpPr>
+        <p:spPr>
+          <a:xfrm>
+            <a:off x="838200" y="365125"/>
+            <a:ext cx="10515600" cy="565785"/>
+          </a:xfrm>
+        </p:spPr>
+        <p:txBody>
+          <a:bodyPr>
+            <a:normAutofit fontScale="90000"/>
+          </a:bodyPr>
+          <a:p>
+            <a:r>
+              <a:rPr lang="en-US"/>
+              <a:t>AWS Storage	</a:t>
+            </a:r>
+            <a:endParaRPr lang="en-US"/>
+          </a:p>
+        </p:txBody>
+      </p:sp>
+      <p:sp>
+        <p:nvSpPr>
+          <p:cNvPr id="3" name="Content Placeholder 2"/>
+          <p:cNvSpPr>
+            <a:spLocks noGrp="1"/>
+          </p:cNvSpPr>
+          <p:nvPr>
+            <p:ph idx="1"/>
+          </p:nvPr>
+        </p:nvSpPr>
+        <p:spPr>
+          <a:xfrm>
+            <a:off x="838200" y="930910"/>
+            <a:ext cx="10515600" cy="5246370"/>
+          </a:xfrm>
+        </p:spPr>
+        <p:txBody>
+          <a:bodyPr/>
+          <a:p>
+            <a:r>
+              <a:rPr lang="en-US"/>
+              <a:t>Elastic File Storage (EFS):</a:t>
+            </a:r>
+            <a:endParaRPr lang="en-US"/>
+          </a:p>
+          <a:p>
+            <a:pPr lvl="1"/>
+            <a:r>
+              <a:rPr lang="en-US"/>
+              <a:t>it shrinks and grows as the files are added or removed.</a:t>
+            </a:r>
+            <a:endParaRPr lang="en-US"/>
+          </a:p>
+          <a:p>
+            <a:pPr lvl="1"/>
+            <a:r>
+              <a:rPr lang="en-US"/>
+              <a:t>Provides traditional storage paradigm.</a:t>
+            </a:r>
+            <a:endParaRPr lang="en-US"/>
+          </a:p>
+          <a:p>
+            <a:pPr lvl="1"/>
+            <a:r>
+              <a:rPr lang="en-US"/>
+              <a:t>Useful for SaaS applications.</a:t>
+            </a:r>
+            <a:endParaRPr lang="en-US"/>
+          </a:p>
+          <a:p>
+            <a:pPr lvl="1"/>
+            <a:r>
+              <a:rPr lang="en-US"/>
+              <a:t>Can be mounted on multiple EC2 instances.</a:t>
+            </a:r>
+            <a:endParaRPr lang="en-US"/>
+          </a:p>
+          <a:p>
+            <a:pPr lvl="1"/>
+            <a:r>
+              <a:rPr lang="en-US"/>
+              <a:t>Supports NFS 4.</a:t>
+            </a:r>
+            <a:endParaRPr lang="en-US"/>
+          </a:p>
+          <a:p>
+            <a:pPr lvl="1"/>
+            <a:r>
+              <a:rPr lang="en-US"/>
+              <a:t>Stores data across multipls availabilty zones in a region.</a:t>
+            </a:r>
+            <a:endParaRPr lang="en-US"/>
+          </a:p>
+          <a:p>
+            <a:pPr lvl="1"/>
+            <a:r>
+              <a:rPr lang="en-US"/>
+              <a:t>Supports encryption at two forms, in transit(when mounting the file system) and at rest.</a:t>
+            </a:r>
+            <a:endParaRPr lang="en-US"/>
+          </a:p>
+          <a:p>
+            <a:pPr lvl="1"/>
+            <a:r>
+              <a:rPr lang="en-US"/>
+              <a:t>For EFS to be used with an instance the NFS needs to be installed.</a:t>
+            </a:r>
+            <a:endParaRPr lang="en-US"/>
+          </a:p>
+          <a:p>
+            <a:pPr lvl="1"/>
+            <a:r>
+              <a:rPr lang="en-US"/>
+              <a:t>EFS can only be mounted on a single VPC at a time.</a:t>
+            </a:r>
+            <a:endParaRPr lang="en-US"/>
+          </a:p>
+          <a:p>
+            <a:pPr lvl="1"/>
+            <a:r>
+              <a:rPr lang="en-US"/>
+              <a:t>can also be mounted on on-premises data centres.</a:t>
+            </a:r>
+            <a:endParaRPr lang="en-US"/>
+          </a:p>
+        </p:txBody>
+      </p:sp>
+    </p:spTree>
+  </p:cSld>
+  <p:clrMapOvr>
+    <a:masterClrMapping/>
+  </p:clrMapOvr>
+</p:sld>
+</file>
+
+<file path=ppt/slides/slide9.xml><?xml version="1.0" encoding="utf-8"?>
+<p:sld xmlns:a="http://schemas.openxmlformats.org/drawingml/2006/main" xmlns:r="http://schemas.openxmlformats.org/officeDocument/2006/relationships" xmlns:p="http://schemas.openxmlformats.org/presentationml/2006/main">
+  <p:cSld>
+    <p:spTree>
+      <p:nvGrpSpPr>
+        <p:cNvPr id="1" name=""/>
+        <p:cNvGrpSpPr/>
+        <p:nvPr/>
+      </p:nvGrpSpPr>
+      <p:grpSpPr/>
+      <p:sp>
+        <p:nvSpPr>
+          <p:cNvPr id="2" name="Title 1"/>
+          <p:cNvSpPr>
+            <a:spLocks noGrp="1"/>
+          </p:cNvSpPr>
+          <p:nvPr>
+            <p:ph type="title"/>
+          </p:nvPr>
+        </p:nvSpPr>
+        <p:spPr>
+          <a:xfrm>
+            <a:off x="838200" y="365125"/>
+            <a:ext cx="10515600" cy="565785"/>
+          </a:xfrm>
+        </p:spPr>
+        <p:txBody>
+          <a:bodyPr>
+            <a:normAutofit fontScale="90000"/>
+          </a:bodyPr>
+          <a:p>
+            <a:r>
+              <a:rPr lang="en-US"/>
+              <a:t>AWS Storage </a:t>
+            </a:r>
+            <a:endParaRPr lang="en-US"/>
+          </a:p>
+        </p:txBody>
+      </p:sp>
+      <p:pic>
+        <p:nvPicPr>
+          <p:cNvPr id="4" name="Content Placeholder 3"/>
+          <p:cNvPicPr>
+            <a:picLocks noChangeAspect="1"/>
+          </p:cNvPicPr>
+          <p:nvPr>
+            <p:ph idx="1"/>
+          </p:nvPr>
+        </p:nvPicPr>
+        <p:blipFill>
+          <a:blip r:embed="rId1"/>
+          <a:stretch>
+            <a:fillRect/>
+          </a:stretch>
+        </p:blipFill>
+        <p:spPr>
+          <a:xfrm>
+            <a:off x="1339850" y="1275080"/>
+            <a:ext cx="6838950" cy="3743325"/>
+          </a:xfrm>
+          <a:prstGeom prst="rect">
+            <a:avLst/>
+          </a:prstGeom>
+        </p:spPr>
+      </p:pic>
+    </p:spTree>
   </p:cSld>
   <p:clrMapOvr>
     <a:masterClrMapping/>
@@ -3591,7 +4222,7 @@
     </a:clrScheme>
     <a:fontScheme name="Office">
       <a:majorFont>
-        <a:latin typeface="Calibri Light" panose="020F0302020204030204"/>
+        <a:latin typeface="Calibri Light"/>
         <a:ea typeface=""/>
         <a:cs typeface=""/>
         <a:font script="Jpan" typeface="游ゴシック Light"/>
@@ -3626,7 +4257,7 @@
         <a:font script="Geor" typeface="Sylfaen"/>
       </a:majorFont>
       <a:minorFont>
-        <a:latin typeface="Calibri" panose="020F0502020204030204"/>
+        <a:latin typeface="Calibri"/>
         <a:ea typeface=""/>
         <a:cs typeface=""/>
         <a:font script="Jpan" typeface="游ゴシック"/>
@@ -3799,8 +4430,6 @@
       </a:bgFillStyleLst>
     </a:fmtScheme>
   </a:themeElements>
-  <a:objectDefaults/>
-  <a:extraClrSchemeLst/>
   <a:extLst>
     <a:ext uri="{05A4C25C-085E-4340-85A3-A5531E510DB2}">
       <thm15:themeFamily xmlns:thm15="http://schemas.microsoft.com/office/thememl/2012/main" name="Office Theme" id="{62F939B6-93AF-4DB8-9C6B-D6C7DFDC589F}" vid="{4A3C46E8-61CC-4603-A589-7422A47A8E4A}"/>
